--- a/Prezentaciq/problemiii.pptx
+++ b/Prezentaciq/problemiii.pptx
@@ -11,6 +11,11 @@
     <p:sldId id="259" r:id="rId5"/>
     <p:sldId id="260" r:id="rId6"/>
     <p:sldId id="261" r:id="rId7"/>
+    <p:sldId id="262" r:id="rId8"/>
+    <p:sldId id="263" r:id="rId9"/>
+    <p:sldId id="264" r:id="rId10"/>
+    <p:sldId id="265" r:id="rId11"/>
+    <p:sldId id="266" r:id="rId12"/>
   </p:sldIdLst>
   <p:sldSz cx="12192000" cy="6858000"/>
   <p:notesSz cx="6858000" cy="9144000"/>
@@ -109,6 +114,11 @@
       </a:defRPr>
     </a:lvl9pPr>
   </p:defaultTextStyle>
+  <p:extLst>
+    <p:ext uri="{EFAFB233-063F-42B5-8137-9DF3F51BA10A}">
+      <p15:sldGuideLst xmlns:p15="http://schemas.microsoft.com/office/powerpoint/2012/main"/>
+    </p:ext>
+  </p:extLst>
 </p:presentation>
 </file>
 
@@ -3004,13 +3014,75 @@
         </p:nvSpPr>
         <p:spPr/>
         <p:txBody>
-          <a:bodyPr/>
-          <a:lstStyle/>
-          <a:p>
-            <a:r>
-              <a:rPr lang="bg-BG" dirty="0" smtClean="0"/>
-              <a:t>Проблеми и обяснения</a:t>
-            </a:r>
+          <a:bodyPr>
+            <a:normAutofit fontScale="25000" lnSpcReduction="20000"/>
+          </a:bodyPr>
+          <a:lstStyle/>
+          <a:p>
+            <a:r>
+              <a:rPr lang="bg-BG" sz="8000" dirty="0" smtClean="0"/>
+              <a:t>Проблеми и </a:t>
+            </a:r>
+            <a:r>
+              <a:rPr lang="bg-BG" sz="8000" dirty="0" smtClean="0"/>
+              <a:t>обяснения</a:t>
+            </a:r>
+          </a:p>
+          <a:p>
+            <a:endParaRPr lang="bg-BG" sz="8000" dirty="0"/>
+          </a:p>
+          <a:p>
+            <a:endParaRPr lang="bg-BG" sz="8000" dirty="0"/>
+          </a:p>
+          <a:p>
+            <a:endParaRPr lang="bg-BG" sz="8000" dirty="0" smtClean="0"/>
+          </a:p>
+          <a:p>
+            <a:endParaRPr lang="bg-BG" sz="8000" dirty="0"/>
+          </a:p>
+          <a:p>
+            <a:r>
+              <a:rPr lang="bg-BG" sz="8000" dirty="0" smtClean="0"/>
+              <a:t>От Виктор Калев (</a:t>
+            </a:r>
+            <a:r>
+              <a:rPr lang="en-US" sz="8000" dirty="0" err="1" smtClean="0"/>
+              <a:t>kalevinho</a:t>
+            </a:r>
+            <a:r>
+              <a:rPr lang="en-US" sz="8000" dirty="0" smtClean="0"/>
+              <a:t>)</a:t>
+            </a:r>
+          </a:p>
+          <a:p>
+            <a:r>
+              <a:rPr lang="bg-BG" sz="8000" dirty="0" smtClean="0"/>
+              <a:t>И</a:t>
+            </a:r>
+          </a:p>
+          <a:p>
+            <a:r>
+              <a:rPr lang="bg-BG" sz="8000" dirty="0" smtClean="0"/>
+              <a:t>Кристиян Крумов (</a:t>
+            </a:r>
+            <a:r>
+              <a:rPr lang="en-US" sz="8000" dirty="0" err="1" smtClean="0"/>
+              <a:t>Bacho</a:t>
+            </a:r>
+            <a:r>
+              <a:rPr lang="en-US" sz="8000" dirty="0" smtClean="0"/>
+              <a:t>)</a:t>
+            </a:r>
+          </a:p>
+          <a:p>
+            <a:r>
+              <a:rPr lang="bg-BG" sz="8000" dirty="0" smtClean="0"/>
+              <a:t>КН 2ри курс</a:t>
+            </a:r>
+            <a:endParaRPr lang="bg-BG" sz="8000" dirty="0" smtClean="0"/>
+          </a:p>
+          <a:p>
+            <a:endParaRPr lang="bg-BG" dirty="0" smtClean="0"/>
           </a:p>
           <a:p>
             <a:endParaRPr lang="en-US" dirty="0"/>
@@ -3021,6 +3093,226 @@
     <p:extLst>
       <p:ext uri="{BB962C8B-B14F-4D97-AF65-F5344CB8AC3E}">
         <p14:creationId xmlns:p14="http://schemas.microsoft.com/office/powerpoint/2010/main" val="802761626"/>
+      </p:ext>
+    </p:extLst>
+  </p:cSld>
+  <p:clrMapOvr>
+    <a:masterClrMapping/>
+  </p:clrMapOvr>
+</p:sld>
+</file>
+
+<file path=ppt/slides/slide10.xml><?xml version="1.0" encoding="utf-8"?>
+<p:sld xmlns:a="http://schemas.openxmlformats.org/drawingml/2006/main" xmlns:r="http://schemas.openxmlformats.org/officeDocument/2006/relationships" xmlns:p="http://schemas.openxmlformats.org/presentationml/2006/main">
+  <p:cSld>
+    <p:spTree>
+      <p:nvGrpSpPr>
+        <p:cNvPr id="1" name=""/>
+        <p:cNvGrpSpPr/>
+        <p:nvPr/>
+      </p:nvGrpSpPr>
+      <p:grpSpPr>
+        <a:xfrm>
+          <a:off x="0" y="0"/>
+          <a:ext cx="0" cy="0"/>
+          <a:chOff x="0" y="0"/>
+          <a:chExt cx="0" cy="0"/>
+        </a:xfrm>
+      </p:grpSpPr>
+      <p:sp>
+        <p:nvSpPr>
+          <p:cNvPr id="2" name="Title 1"/>
+          <p:cNvSpPr>
+            <a:spLocks noGrp="1"/>
+          </p:cNvSpPr>
+          <p:nvPr>
+            <p:ph type="title"/>
+          </p:nvPr>
+        </p:nvSpPr>
+        <p:spPr/>
+        <p:txBody>
+          <a:bodyPr/>
+          <a:lstStyle/>
+          <a:p>
+            <a:pPr algn="ctr"/>
+            <a:r>
+              <a:rPr lang="en-US" dirty="0" smtClean="0"/>
+              <a:t>Help Forum</a:t>
+            </a:r>
+            <a:endParaRPr lang="en-US" dirty="0"/>
+          </a:p>
+        </p:txBody>
+      </p:sp>
+      <p:sp>
+        <p:nvSpPr>
+          <p:cNvPr id="3" name="Content Placeholder 2"/>
+          <p:cNvSpPr>
+            <a:spLocks noGrp="1"/>
+          </p:cNvSpPr>
+          <p:nvPr>
+            <p:ph idx="1"/>
+          </p:nvPr>
+        </p:nvSpPr>
+        <p:spPr/>
+        <p:txBody>
+          <a:bodyPr/>
+          <a:lstStyle/>
+          <a:p>
+            <a:r>
+              <a:rPr lang="bg-BG" dirty="0" smtClean="0"/>
+              <a:t>Намиране на общя снимка </a:t>
+            </a:r>
+            <a:endParaRPr lang="en-US" dirty="0"/>
+          </a:p>
+        </p:txBody>
+      </p:sp>
+      <p:pic>
+        <p:nvPicPr>
+          <p:cNvPr id="5" name="Picture 4"/>
+          <p:cNvPicPr>
+            <a:picLocks noChangeAspect="1"/>
+          </p:cNvPicPr>
+          <p:nvPr/>
+        </p:nvPicPr>
+        <p:blipFill>
+          <a:blip r:embed="rId2">
+            <a:extLst>
+              <a:ext uri="{28A0092B-C50C-407E-A947-70E740481C1C}">
+                <a14:useLocalDpi xmlns:a14="http://schemas.microsoft.com/office/drawing/2010/main" val="0"/>
+              </a:ext>
+            </a:extLst>
+          </a:blip>
+          <a:stretch>
+            <a:fillRect/>
+          </a:stretch>
+        </p:blipFill>
+        <p:spPr>
+          <a:xfrm>
+            <a:off x="6071617" y="2528602"/>
+            <a:ext cx="4785740" cy="2945384"/>
+          </a:xfrm>
+          <a:prstGeom prst="rect">
+            <a:avLst/>
+          </a:prstGeom>
+        </p:spPr>
+      </p:pic>
+      <p:pic>
+        <p:nvPicPr>
+          <p:cNvPr id="6" name="Picture 5"/>
+          <p:cNvPicPr>
+            <a:picLocks noChangeAspect="1"/>
+          </p:cNvPicPr>
+          <p:nvPr/>
+        </p:nvPicPr>
+        <p:blipFill>
+          <a:blip r:embed="rId3">
+            <a:extLst>
+              <a:ext uri="{28A0092B-C50C-407E-A947-70E740481C1C}">
+                <a14:useLocalDpi xmlns:a14="http://schemas.microsoft.com/office/drawing/2010/main" val="0"/>
+              </a:ext>
+            </a:extLst>
+          </a:blip>
+          <a:stretch>
+            <a:fillRect/>
+          </a:stretch>
+        </p:blipFill>
+        <p:spPr>
+          <a:xfrm>
+            <a:off x="911352" y="2528602"/>
+            <a:ext cx="4520184" cy="2945384"/>
+          </a:xfrm>
+          <a:prstGeom prst="rect">
+            <a:avLst/>
+          </a:prstGeom>
+        </p:spPr>
+      </p:pic>
+    </p:spTree>
+    <p:extLst>
+      <p:ext uri="{BB962C8B-B14F-4D97-AF65-F5344CB8AC3E}">
+        <p14:creationId xmlns:p14="http://schemas.microsoft.com/office/powerpoint/2010/main" val="3317025900"/>
+      </p:ext>
+    </p:extLst>
+  </p:cSld>
+  <p:clrMapOvr>
+    <a:masterClrMapping/>
+  </p:clrMapOvr>
+</p:sld>
+</file>
+
+<file path=ppt/slides/slide11.xml><?xml version="1.0" encoding="utf-8"?>
+<p:sld xmlns:a="http://schemas.openxmlformats.org/drawingml/2006/main" xmlns:r="http://schemas.openxmlformats.org/officeDocument/2006/relationships" xmlns:p="http://schemas.openxmlformats.org/presentationml/2006/main">
+  <p:cSld>
+    <p:spTree>
+      <p:nvGrpSpPr>
+        <p:cNvPr id="1" name=""/>
+        <p:cNvGrpSpPr/>
+        <p:nvPr/>
+      </p:nvGrpSpPr>
+      <p:grpSpPr>
+        <a:xfrm>
+          <a:off x="0" y="0"/>
+          <a:ext cx="0" cy="0"/>
+          <a:chOff x="0" y="0"/>
+          <a:chExt cx="0" cy="0"/>
+        </a:xfrm>
+      </p:grpSpPr>
+      <p:sp>
+        <p:nvSpPr>
+          <p:cNvPr id="2" name="Title 1"/>
+          <p:cNvSpPr>
+            <a:spLocks noGrp="1"/>
+          </p:cNvSpPr>
+          <p:nvPr>
+            <p:ph type="title"/>
+          </p:nvPr>
+        </p:nvSpPr>
+        <p:spPr/>
+        <p:txBody>
+          <a:bodyPr/>
+          <a:lstStyle/>
+          <a:p>
+            <a:pPr algn="ctr"/>
+            <a:r>
+              <a:rPr lang="bg-BG" dirty="0" smtClean="0"/>
+              <a:t>Благодарим за Вниманието !</a:t>
+            </a:r>
+            <a:endParaRPr lang="en-US" dirty="0"/>
+          </a:p>
+        </p:txBody>
+      </p:sp>
+      <p:pic>
+        <p:nvPicPr>
+          <p:cNvPr id="4" name="Content Placeholder 3"/>
+          <p:cNvPicPr>
+            <a:picLocks noGrp="1" noChangeAspect="1"/>
+          </p:cNvPicPr>
+          <p:nvPr>
+            <p:ph idx="1"/>
+          </p:nvPr>
+        </p:nvPicPr>
+        <p:blipFill>
+          <a:blip r:embed="rId2">
+            <a:extLst>
+              <a:ext uri="{28A0092B-C50C-407E-A947-70E740481C1C}">
+                <a14:useLocalDpi xmlns:a14="http://schemas.microsoft.com/office/drawing/2010/main" val="0"/>
+              </a:ext>
+            </a:extLst>
+          </a:blip>
+          <a:stretch>
+            <a:fillRect/>
+          </a:stretch>
+        </p:blipFill>
+        <p:spPr>
+          <a:xfrm>
+            <a:off x="3209925" y="1966944"/>
+            <a:ext cx="5772150" cy="3190875"/>
+          </a:xfrm>
+        </p:spPr>
+      </p:pic>
+    </p:spTree>
+    <p:extLst>
+      <p:ext uri="{BB962C8B-B14F-4D97-AF65-F5344CB8AC3E}">
+        <p14:creationId xmlns:p14="http://schemas.microsoft.com/office/powerpoint/2010/main" val="2849989166"/>
       </p:ext>
     </p:extLst>
   </p:cSld>
@@ -3120,6 +3412,13 @@
               <a:rPr lang="en-US" dirty="0" smtClean="0"/>
               <a:t>Timer</a:t>
             </a:r>
+          </a:p>
+          <a:p>
+            <a:r>
+              <a:rPr lang="en-US" dirty="0" smtClean="0"/>
+              <a:t>Fonts</a:t>
+            </a:r>
+            <a:endParaRPr lang="en-US" dirty="0" smtClean="0"/>
           </a:p>
           <a:p>
             <a:r>
@@ -3575,7 +3874,31 @@
           <a:p>
             <a:r>
               <a:rPr lang="bg-BG" dirty="0" smtClean="0"/>
-              <a:t>98% от цялата визлуална работа е на </a:t>
+              <a:t>98% от цялата </a:t>
+            </a:r>
+            <a:r>
+              <a:rPr lang="bg-BG" dirty="0" smtClean="0"/>
+              <a:t>визлуал</a:t>
+            </a:r>
+            <a:r>
+              <a:rPr lang="bg-BG" dirty="0" smtClean="0"/>
+              <a:t>изация</a:t>
+            </a:r>
+            <a:r>
+              <a:rPr lang="bg-BG" dirty="0" smtClean="0"/>
+              <a:t> </a:t>
+            </a:r>
+            <a:r>
+              <a:rPr lang="bg-BG" dirty="0" smtClean="0"/>
+              <a:t>е </a:t>
+            </a:r>
+            <a:r>
+              <a:rPr lang="bg-BG" dirty="0" smtClean="0"/>
+              <a:t>с помоща на</a:t>
+            </a:r>
+            <a:r>
+              <a:rPr lang="bg-BG" dirty="0" smtClean="0"/>
+              <a:t> </a:t>
             </a:r>
             <a:r>
               <a:rPr lang="en-US" dirty="0" smtClean="0"/>
@@ -3585,7 +3908,15 @@
           <a:p>
             <a:r>
               <a:rPr lang="bg-BG" dirty="0" smtClean="0"/>
-              <a:t>Останалите 2% на </a:t>
+              <a:t>Останалите 2% </a:t>
+            </a:r>
+            <a:r>
+              <a:rPr lang="bg-BG" dirty="0"/>
+              <a:t>с</a:t>
+            </a:r>
+            <a:r>
+              <a:rPr lang="bg-BG" dirty="0" smtClean="0"/>
+              <a:t> </a:t>
             </a:r>
             <a:r>
               <a:rPr lang="en-US" dirty="0" smtClean="0"/>
@@ -3595,10 +3926,380 @@
           </a:p>
         </p:txBody>
       </p:sp>
+      <p:pic>
+        <p:nvPicPr>
+          <p:cNvPr id="4" name="Picture 3"/>
+          <p:cNvPicPr>
+            <a:picLocks noChangeAspect="1"/>
+          </p:cNvPicPr>
+          <p:nvPr/>
+        </p:nvPicPr>
+        <p:blipFill>
+          <a:blip r:embed="rId2">
+            <a:extLst>
+              <a:ext uri="{28A0092B-C50C-407E-A947-70E740481C1C}">
+                <a14:useLocalDpi xmlns:a14="http://schemas.microsoft.com/office/drawing/2010/main" val="0"/>
+              </a:ext>
+            </a:extLst>
+          </a:blip>
+          <a:stretch>
+            <a:fillRect/>
+          </a:stretch>
+        </p:blipFill>
+        <p:spPr>
+          <a:xfrm>
+            <a:off x="2143125" y="2758440"/>
+            <a:ext cx="7905750" cy="3810000"/>
+          </a:xfrm>
+          <a:prstGeom prst="rect">
+            <a:avLst/>
+          </a:prstGeom>
+        </p:spPr>
+      </p:pic>
     </p:spTree>
     <p:extLst>
       <p:ext uri="{BB962C8B-B14F-4D97-AF65-F5344CB8AC3E}">
         <p14:creationId xmlns:p14="http://schemas.microsoft.com/office/powerpoint/2010/main" val="2912148283"/>
+      </p:ext>
+    </p:extLst>
+  </p:cSld>
+  <p:clrMapOvr>
+    <a:masterClrMapping/>
+  </p:clrMapOvr>
+</p:sld>
+</file>
+
+<file path=ppt/slides/slide7.xml><?xml version="1.0" encoding="utf-8"?>
+<p:sld xmlns:a="http://schemas.openxmlformats.org/drawingml/2006/main" xmlns:r="http://schemas.openxmlformats.org/officeDocument/2006/relationships" xmlns:p="http://schemas.openxmlformats.org/presentationml/2006/main">
+  <p:cSld>
+    <p:spTree>
+      <p:nvGrpSpPr>
+        <p:cNvPr id="1" name=""/>
+        <p:cNvGrpSpPr/>
+        <p:nvPr/>
+      </p:nvGrpSpPr>
+      <p:grpSpPr>
+        <a:xfrm>
+          <a:off x="0" y="0"/>
+          <a:ext cx="0" cy="0"/>
+          <a:chOff x="0" y="0"/>
+          <a:chExt cx="0" cy="0"/>
+        </a:xfrm>
+      </p:grpSpPr>
+      <p:sp>
+        <p:nvSpPr>
+          <p:cNvPr id="2" name="Title 1"/>
+          <p:cNvSpPr>
+            <a:spLocks noGrp="1"/>
+          </p:cNvSpPr>
+          <p:nvPr>
+            <p:ph type="title"/>
+          </p:nvPr>
+        </p:nvSpPr>
+        <p:spPr/>
+        <p:txBody>
+          <a:bodyPr/>
+          <a:lstStyle/>
+          <a:p>
+            <a:pPr algn="ctr"/>
+            <a:r>
+              <a:rPr lang="en-US" dirty="0" smtClean="0"/>
+              <a:t>Array of Labels</a:t>
+            </a:r>
+            <a:endParaRPr lang="en-US" dirty="0"/>
+          </a:p>
+        </p:txBody>
+      </p:sp>
+      <p:sp>
+        <p:nvSpPr>
+          <p:cNvPr id="3" name="Content Placeholder 2"/>
+          <p:cNvSpPr>
+            <a:spLocks noGrp="1"/>
+          </p:cNvSpPr>
+          <p:nvPr>
+            <p:ph idx="1"/>
+          </p:nvPr>
+        </p:nvSpPr>
+        <p:spPr/>
+        <p:txBody>
+          <a:bodyPr/>
+          <a:lstStyle/>
+          <a:p>
+            <a:r>
+              <a:rPr lang="bg-BG" dirty="0" smtClean="0"/>
+              <a:t>Как се прави и защо ни трябва ?</a:t>
+            </a:r>
+            <a:endParaRPr lang="en-US" dirty="0"/>
+          </a:p>
+        </p:txBody>
+      </p:sp>
+      <p:pic>
+        <p:nvPicPr>
+          <p:cNvPr id="4" name="Picture 3"/>
+          <p:cNvPicPr>
+            <a:picLocks noChangeAspect="1"/>
+          </p:cNvPicPr>
+          <p:nvPr/>
+        </p:nvPicPr>
+        <p:blipFill>
+          <a:blip r:embed="rId2">
+            <a:extLst>
+              <a:ext uri="{28A0092B-C50C-407E-A947-70E740481C1C}">
+                <a14:useLocalDpi xmlns:a14="http://schemas.microsoft.com/office/drawing/2010/main" val="0"/>
+              </a:ext>
+            </a:extLst>
+          </a:blip>
+          <a:stretch>
+            <a:fillRect/>
+          </a:stretch>
+        </p:blipFill>
+        <p:spPr>
+          <a:xfrm>
+            <a:off x="2130552" y="2241422"/>
+            <a:ext cx="7930896" cy="4461129"/>
+          </a:xfrm>
+          <a:prstGeom prst="rect">
+            <a:avLst/>
+          </a:prstGeom>
+        </p:spPr>
+      </p:pic>
+    </p:spTree>
+    <p:extLst>
+      <p:ext uri="{BB962C8B-B14F-4D97-AF65-F5344CB8AC3E}">
+        <p14:creationId xmlns:p14="http://schemas.microsoft.com/office/powerpoint/2010/main" val="2089796392"/>
+      </p:ext>
+    </p:extLst>
+  </p:cSld>
+  <p:clrMapOvr>
+    <a:masterClrMapping/>
+  </p:clrMapOvr>
+</p:sld>
+</file>
+
+<file path=ppt/slides/slide8.xml><?xml version="1.0" encoding="utf-8"?>
+<p:sld xmlns:a="http://schemas.openxmlformats.org/drawingml/2006/main" xmlns:r="http://schemas.openxmlformats.org/officeDocument/2006/relationships" xmlns:p="http://schemas.openxmlformats.org/presentationml/2006/main">
+  <p:cSld>
+    <p:spTree>
+      <p:nvGrpSpPr>
+        <p:cNvPr id="1" name=""/>
+        <p:cNvGrpSpPr/>
+        <p:nvPr/>
+      </p:nvGrpSpPr>
+      <p:grpSpPr>
+        <a:xfrm>
+          <a:off x="0" y="0"/>
+          <a:ext cx="0" cy="0"/>
+          <a:chOff x="0" y="0"/>
+          <a:chExt cx="0" cy="0"/>
+        </a:xfrm>
+      </p:grpSpPr>
+      <p:sp>
+        <p:nvSpPr>
+          <p:cNvPr id="2" name="Title 1"/>
+          <p:cNvSpPr>
+            <a:spLocks noGrp="1"/>
+          </p:cNvSpPr>
+          <p:nvPr>
+            <p:ph type="title"/>
+          </p:nvPr>
+        </p:nvSpPr>
+        <p:spPr/>
+        <p:txBody>
+          <a:bodyPr/>
+          <a:lstStyle/>
+          <a:p>
+            <a:pPr algn="ctr"/>
+            <a:r>
+              <a:rPr lang="en-US" dirty="0" smtClean="0"/>
+              <a:t>Timer</a:t>
+            </a:r>
+            <a:endParaRPr lang="en-US" dirty="0"/>
+          </a:p>
+        </p:txBody>
+      </p:sp>
+      <p:sp>
+        <p:nvSpPr>
+          <p:cNvPr id="3" name="Content Placeholder 2"/>
+          <p:cNvSpPr>
+            <a:spLocks noGrp="1"/>
+          </p:cNvSpPr>
+          <p:nvPr>
+            <p:ph idx="1"/>
+          </p:nvPr>
+        </p:nvSpPr>
+        <p:spPr/>
+        <p:txBody>
+          <a:bodyPr/>
+          <a:lstStyle/>
+          <a:p>
+            <a:r>
+              <a:rPr lang="bg-BG" dirty="0" smtClean="0"/>
+              <a:t>Разтягане на изображение с време</a:t>
+            </a:r>
+          </a:p>
+          <a:p>
+            <a:r>
+              <a:rPr lang="bg-BG" dirty="0" smtClean="0"/>
+              <a:t>Нагласяне</a:t>
+            </a:r>
+            <a:endParaRPr lang="en-US" dirty="0" smtClean="0"/>
+          </a:p>
+          <a:p>
+            <a:r>
+              <a:rPr lang="en-US" dirty="0" smtClean="0"/>
+              <a:t>Time is Money</a:t>
+            </a:r>
+            <a:endParaRPr lang="en-US" dirty="0"/>
+          </a:p>
+        </p:txBody>
+      </p:sp>
+      <p:pic>
+        <p:nvPicPr>
+          <p:cNvPr id="4" name="Picture 3"/>
+          <p:cNvPicPr>
+            <a:picLocks noChangeAspect="1"/>
+          </p:cNvPicPr>
+          <p:nvPr/>
+        </p:nvPicPr>
+        <p:blipFill>
+          <a:blip r:embed="rId2">
+            <a:extLst>
+              <a:ext uri="{28A0092B-C50C-407E-A947-70E740481C1C}">
+                <a14:useLocalDpi xmlns:a14="http://schemas.microsoft.com/office/drawing/2010/main" val="0"/>
+              </a:ext>
+            </a:extLst>
+          </a:blip>
+          <a:stretch>
+            <a:fillRect/>
+          </a:stretch>
+        </p:blipFill>
+        <p:spPr>
+          <a:xfrm>
+            <a:off x="4745736" y="2735072"/>
+            <a:ext cx="5334000" cy="2997200"/>
+          </a:xfrm>
+          <a:prstGeom prst="rect">
+            <a:avLst/>
+          </a:prstGeom>
+        </p:spPr>
+      </p:pic>
+    </p:spTree>
+    <p:extLst>
+      <p:ext uri="{BB962C8B-B14F-4D97-AF65-F5344CB8AC3E}">
+        <p14:creationId xmlns:p14="http://schemas.microsoft.com/office/powerpoint/2010/main" val="382927420"/>
+      </p:ext>
+    </p:extLst>
+  </p:cSld>
+  <p:clrMapOvr>
+    <a:masterClrMapping/>
+  </p:clrMapOvr>
+</p:sld>
+</file>
+
+<file path=ppt/slides/slide9.xml><?xml version="1.0" encoding="utf-8"?>
+<p:sld xmlns:a="http://schemas.openxmlformats.org/drawingml/2006/main" xmlns:r="http://schemas.openxmlformats.org/officeDocument/2006/relationships" xmlns:p="http://schemas.openxmlformats.org/presentationml/2006/main">
+  <p:cSld>
+    <p:spTree>
+      <p:nvGrpSpPr>
+        <p:cNvPr id="1" name=""/>
+        <p:cNvGrpSpPr/>
+        <p:nvPr/>
+      </p:nvGrpSpPr>
+      <p:grpSpPr>
+        <a:xfrm>
+          <a:off x="0" y="0"/>
+          <a:ext cx="0" cy="0"/>
+          <a:chOff x="0" y="0"/>
+          <a:chExt cx="0" cy="0"/>
+        </a:xfrm>
+      </p:grpSpPr>
+      <p:sp>
+        <p:nvSpPr>
+          <p:cNvPr id="2" name="Title 1"/>
+          <p:cNvSpPr>
+            <a:spLocks noGrp="1"/>
+          </p:cNvSpPr>
+          <p:nvPr>
+            <p:ph type="title"/>
+          </p:nvPr>
+        </p:nvSpPr>
+        <p:spPr/>
+        <p:txBody>
+          <a:bodyPr/>
+          <a:lstStyle/>
+          <a:p>
+            <a:pPr algn="ctr"/>
+            <a:r>
+              <a:rPr lang="en-US" dirty="0" smtClean="0"/>
+              <a:t>Fonts</a:t>
+            </a:r>
+            <a:endParaRPr lang="en-US" dirty="0"/>
+          </a:p>
+        </p:txBody>
+      </p:sp>
+      <p:sp>
+        <p:nvSpPr>
+          <p:cNvPr id="3" name="Content Placeholder 2"/>
+          <p:cNvSpPr>
+            <a:spLocks noGrp="1"/>
+          </p:cNvSpPr>
+          <p:nvPr>
+            <p:ph idx="1"/>
+          </p:nvPr>
+        </p:nvSpPr>
+        <p:spPr/>
+        <p:txBody>
+          <a:bodyPr/>
+          <a:lstStyle/>
+          <a:p>
+            <a:r>
+              <a:rPr lang="bg-BG" dirty="0" smtClean="0"/>
+              <a:t>Търсене на подфодящия фонт</a:t>
+            </a:r>
+          </a:p>
+          <a:p>
+            <a:r>
+              <a:rPr lang="en-US" dirty="0" smtClean="0"/>
+              <a:t>Baskerville Old Face</a:t>
+            </a:r>
+            <a:endParaRPr lang="en-US" dirty="0"/>
+          </a:p>
+        </p:txBody>
+      </p:sp>
+      <p:pic>
+        <p:nvPicPr>
+          <p:cNvPr id="4" name="Picture 3"/>
+          <p:cNvPicPr>
+            <a:picLocks noChangeAspect="1"/>
+          </p:cNvPicPr>
+          <p:nvPr/>
+        </p:nvPicPr>
+        <p:blipFill>
+          <a:blip r:embed="rId2">
+            <a:extLst>
+              <a:ext uri="{28A0092B-C50C-407E-A947-70E740481C1C}">
+                <a14:useLocalDpi xmlns:a14="http://schemas.microsoft.com/office/drawing/2010/main" val="0"/>
+              </a:ext>
+            </a:extLst>
+          </a:blip>
+          <a:stretch>
+            <a:fillRect/>
+          </a:stretch>
+        </p:blipFill>
+        <p:spPr>
+          <a:xfrm>
+            <a:off x="2698623" y="2914650"/>
+            <a:ext cx="6191250" cy="2857500"/>
+          </a:xfrm>
+          <a:prstGeom prst="rect">
+            <a:avLst/>
+          </a:prstGeom>
+        </p:spPr>
+      </p:pic>
+    </p:spTree>
+    <p:extLst>
+      <p:ext uri="{BB962C8B-B14F-4D97-AF65-F5344CB8AC3E}">
+        <p14:creationId xmlns:p14="http://schemas.microsoft.com/office/powerpoint/2010/main" val="1488836841"/>
       </p:ext>
     </p:extLst>
   </p:cSld>
